--- a/lecture/Java高级编程_-_Lecture_1_-_课程介绍.pptx
+++ b/lecture/Java高级编程_-_Lecture_1_-_课程介绍.pptx
@@ -4512,8 +4512,23 @@
               <a:rPr lang="en-US" altLang="zh-CN" sz="2400">
                 <a:latin typeface="Calibri" panose="020F0502020204030204" pitchFamily="34" charset="0"/>
               </a:rPr>
-              <a:t>full name (e.g. yangbo):</a:t>
-            </a:r>
+              <a:t>full name (e.g. </a:t>
+            </a:r>
+            <a:r>
+              <a:rPr lang="en-US" altLang="zh-CN" sz="2400" smtClean="0">
+                <a:latin typeface="Calibri" panose="020F0502020204030204" pitchFamily="34" charset="0"/>
+              </a:rPr>
+              <a:t>archcentric</a:t>
+            </a:r>
+            <a:r>
+              <a:rPr lang="en-US" altLang="zh-CN" sz="2400" smtClean="0">
+                <a:latin typeface="Calibri" panose="020F0502020204030204" pitchFamily="34" charset="0"/>
+              </a:rPr>
+              <a:t>):</a:t>
+            </a:r>
+            <a:endParaRPr lang="en-US" altLang="zh-CN" sz="2400">
+              <a:latin typeface="Calibri" panose="020F0502020204030204" pitchFamily="34" charset="0"/>
+            </a:endParaRPr>
           </a:p>
           <a:p>
             <a:pPr marL="0" indent="0">
@@ -4529,7 +4544,13 @@
               <a:rPr lang="en-US" altLang="zh-CN" sz="2400" smtClean="0">
                 <a:latin typeface="Calibri" panose="020F0502020204030204" pitchFamily="34" charset="0"/>
               </a:rPr>
-              <a:t>    yangbo</a:t>
+              <a:t>    </a:t>
+            </a:r>
+            <a:r>
+              <a:rPr lang="en-US" altLang="zh-CN" sz="2400" smtClean="0">
+                <a:latin typeface="Calibri" panose="020F0502020204030204" pitchFamily="34" charset="0"/>
+              </a:rPr>
+              <a:t>archcentric</a:t>
             </a:r>
             <a:endParaRPr lang="en-US" altLang="zh-CN" sz="2400">
               <a:latin typeface="Calibri" panose="020F0502020204030204" pitchFamily="34" charset="0"/>
@@ -4555,8 +4576,17 @@
               <a:rPr lang="en-US" altLang="zh-CN" sz="2400">
                 <a:latin typeface="Calibri" panose="020F0502020204030204" pitchFamily="34" charset="0"/>
               </a:rPr>
-              <a:t>Employee Code (e.g. PPD006732):</a:t>
-            </a:r>
+              <a:t>Employee Code (e.g. </a:t>
+            </a:r>
+            <a:r>
+              <a:rPr lang="en-US" altLang="zh-CN" sz="2400" smtClean="0">
+                <a:latin typeface="Calibri" panose="020F0502020204030204" pitchFamily="34" charset="0"/>
+              </a:rPr>
+              <a:t>PPD006789):</a:t>
+            </a:r>
+            <a:endParaRPr lang="en-US" altLang="zh-CN" sz="2400">
+              <a:latin typeface="Calibri" panose="020F0502020204030204" pitchFamily="34" charset="0"/>
+            </a:endParaRPr>
           </a:p>
           <a:p>
             <a:pPr marL="0" indent="0">
@@ -4572,7 +4602,13 @@
               <a:rPr lang="en-US" altLang="zh-CN" sz="2400" smtClean="0">
                 <a:latin typeface="Calibri" panose="020F0502020204030204" pitchFamily="34" charset="0"/>
               </a:rPr>
-              <a:t>    PPD006732</a:t>
+              <a:t>    </a:t>
+            </a:r>
+            <a:r>
+              <a:rPr lang="en-US" altLang="zh-CN" sz="2400" smtClean="0">
+                <a:latin typeface="Calibri" panose="020F0502020204030204" pitchFamily="34" charset="0"/>
+              </a:rPr>
+              <a:t>PPD006789</a:t>
             </a:r>
             <a:endParaRPr lang="en-US" altLang="zh-CN" sz="2400">
               <a:latin typeface="Calibri" panose="020F0502020204030204" pitchFamily="34" charset="0"/>
@@ -4633,7 +4669,7 @@
               <a:rPr lang="en-US" altLang="zh-CN" smtClean="0">
                 <a:latin typeface="Calibri" panose="020F0502020204030204" pitchFamily="34" charset="0"/>
               </a:rPr>
-              <a:t>target/tf-homework1-PPD006732.zip</a:t>
+              <a:t>target/jt-homework1-PPD006789.zip</a:t>
             </a:r>
             <a:r>
               <a:rPr lang="zh-CN" altLang="en-US" smtClean="0"/>
@@ -6209,12 +6245,19 @@
               <a:t>逼</a:t>
             </a:r>
             <a:r>
-              <a:rPr lang="en-US" altLang="zh-CN" smtClean="0">
+              <a:rPr lang="en-US" altLang="zh-CN" b="1" smtClean="0">
+                <a:solidFill>
+                  <a:srgbClr val="339933"/>
+                </a:solidFill>
                 <a:sym typeface="Wingdings" panose="05000000000000000000" pitchFamily="2" charset="2"/>
               </a:rPr>
               <a:t></a:t>
             </a:r>
-            <a:endParaRPr lang="en-US" altLang="zh-CN" dirty="0"/>
+            <a:endParaRPr lang="en-US" altLang="zh-CN" b="1" dirty="0">
+              <a:solidFill>
+                <a:srgbClr val="339933"/>
+              </a:solidFill>
+            </a:endParaRPr>
           </a:p>
           <a:p>
             <a:endParaRPr lang="zh-CN" altLang="en-US" dirty="0"/>
@@ -6436,11 +6479,7 @@
             <a:pPr lvl="1"/>
             <a:r>
               <a:rPr lang="en-US" altLang="zh-CN" smtClean="0"/>
-              <a:t>Head first </a:t>
-            </a:r>
-            <a:r>
-              <a:rPr lang="en-US" altLang="zh-CN" smtClean="0"/>
-              <a:t>Java 2</a:t>
+              <a:t>Head first Java 2</a:t>
             </a:r>
             <a:r>
               <a:rPr lang="en-US" altLang="zh-CN" baseline="30000" smtClean="0"/>
@@ -6450,7 +6489,6 @@
               <a:rPr lang="en-US" altLang="zh-CN" smtClean="0"/>
               <a:t>Edition</a:t>
             </a:r>
-            <a:endParaRPr lang="en-US" altLang="zh-CN" smtClean="0"/>
           </a:p>
           <a:p>
             <a:pPr lvl="2"/>

--- a/lecture/Java高级编程_-_Lecture_1_-_课程介绍.pptx
+++ b/lecture/Java高级编程_-_Lecture_1_-_课程介绍.pptx
@@ -3051,13 +3051,10 @@
           </a:p>
           <a:p>
             <a:r>
-              <a:rPr lang="zh-CN" altLang="en-US" smtClean="0"/>
-              <a:t>杨</a:t>
-            </a:r>
-            <a:r>
-              <a:rPr lang="zh-CN" altLang="en-US" dirty="0"/>
-              <a:t>波</a:t>
-            </a:r>
+              <a:rPr lang="en-US" altLang="zh-CN" smtClean="0"/>
+              <a:t>ArchCentric</a:t>
+            </a:r>
+            <a:endParaRPr lang="zh-CN" altLang="en-US" dirty="0"/>
           </a:p>
         </p:txBody>
       </p:sp>
@@ -4506,25 +4503,19 @@
               <a:rPr lang="en-US" altLang="zh-CN" sz="2400" smtClean="0">
                 <a:latin typeface="Calibri" panose="020F0502020204030204" pitchFamily="34" charset="0"/>
               </a:rPr>
-              <a:t>Your </a:t>
+              <a:t>Your employee </a:t>
             </a:r>
             <a:r>
               <a:rPr lang="en-US" altLang="zh-CN" sz="2400">
                 <a:latin typeface="Calibri" panose="020F0502020204030204" pitchFamily="34" charset="0"/>
               </a:rPr>
-              <a:t>full name (e.g. </a:t>
+              <a:t>name (e.g. </a:t>
             </a:r>
             <a:r>
               <a:rPr lang="en-US" altLang="zh-CN" sz="2400" smtClean="0">
                 <a:latin typeface="Calibri" panose="020F0502020204030204" pitchFamily="34" charset="0"/>
               </a:rPr>
-              <a:t>archcentric</a:t>
-            </a:r>
-            <a:r>
-              <a:rPr lang="en-US" altLang="zh-CN" sz="2400" smtClean="0">
-                <a:latin typeface="Calibri" panose="020F0502020204030204" pitchFamily="34" charset="0"/>
-              </a:rPr>
-              <a:t>):</a:t>
+              <a:t>archcentric):</a:t>
             </a:r>
             <a:endParaRPr lang="en-US" altLang="zh-CN" sz="2400">
               <a:latin typeface="Calibri" panose="020F0502020204030204" pitchFamily="34" charset="0"/>
@@ -4544,13 +4535,7 @@
               <a:rPr lang="en-US" altLang="zh-CN" sz="2400" smtClean="0">
                 <a:latin typeface="Calibri" panose="020F0502020204030204" pitchFamily="34" charset="0"/>
               </a:rPr>
-              <a:t>    </a:t>
-            </a:r>
-            <a:r>
-              <a:rPr lang="en-US" altLang="zh-CN" sz="2400" smtClean="0">
-                <a:latin typeface="Calibri" panose="020F0502020204030204" pitchFamily="34" charset="0"/>
-              </a:rPr>
-              <a:t>archcentric</a:t>
+              <a:t>    archcentric</a:t>
             </a:r>
             <a:endParaRPr lang="en-US" altLang="zh-CN" sz="2400">
               <a:latin typeface="Calibri" panose="020F0502020204030204" pitchFamily="34" charset="0"/>
@@ -4576,7 +4561,19 @@
               <a:rPr lang="en-US" altLang="zh-CN" sz="2400">
                 <a:latin typeface="Calibri" panose="020F0502020204030204" pitchFamily="34" charset="0"/>
               </a:rPr>
-              <a:t>Employee Code (e.g. </a:t>
+              <a:t>Employee </a:t>
+            </a:r>
+            <a:r>
+              <a:rPr lang="en-US" altLang="zh-CN" sz="2400" smtClean="0">
+                <a:latin typeface="Calibri" panose="020F0502020204030204" pitchFamily="34" charset="0"/>
+              </a:rPr>
+              <a:t>Id </a:t>
+            </a:r>
+            <a:r>
+              <a:rPr lang="en-US" altLang="zh-CN" sz="2400">
+                <a:latin typeface="Calibri" panose="020F0502020204030204" pitchFamily="34" charset="0"/>
+              </a:rPr>
+              <a:t>(e.g. </a:t>
             </a:r>
             <a:r>
               <a:rPr lang="en-US" altLang="zh-CN" sz="2400" smtClean="0">
@@ -4602,13 +4599,7 @@
               <a:rPr lang="en-US" altLang="zh-CN" sz="2400" smtClean="0">
                 <a:latin typeface="Calibri" panose="020F0502020204030204" pitchFamily="34" charset="0"/>
               </a:rPr>
-              <a:t>    </a:t>
-            </a:r>
-            <a:r>
-              <a:rPr lang="en-US" altLang="zh-CN" sz="2400" smtClean="0">
-                <a:latin typeface="Calibri" panose="020F0502020204030204" pitchFamily="34" charset="0"/>
-              </a:rPr>
-              <a:t>PPD006789</a:t>
+              <a:t>    PPD006789</a:t>
             </a:r>
             <a:endParaRPr lang="en-US" altLang="zh-CN" sz="2400">
               <a:latin typeface="Calibri" panose="020F0502020204030204" pitchFamily="34" charset="0"/>
